--- a/PlatformDeveloperGuide/images/ui_overview2.pptx
+++ b/PlatformDeveloperGuide/images/ui_overview2.pptx
@@ -261,7 +261,7 @@
           <a:p>
             <a:fld id="{4E285625-C24A-4341-90BC-6CD71F835625}" type="datetimeFigureOut">
               <a:rPr lang="en-GB" smtClean="0"/>
-              <a:t>03/08/2020</a:t>
+              <a:t>23/11/2020</a:t>
             </a:fld>
             <a:endParaRPr lang="en-GB"/>
           </a:p>
@@ -461,7 +461,7 @@
           <a:p>
             <a:fld id="{4E285625-C24A-4341-90BC-6CD71F835625}" type="datetimeFigureOut">
               <a:rPr lang="en-GB" smtClean="0"/>
-              <a:t>03/08/2020</a:t>
+              <a:t>23/11/2020</a:t>
             </a:fld>
             <a:endParaRPr lang="en-GB"/>
           </a:p>
@@ -671,7 +671,7 @@
           <a:p>
             <a:fld id="{4E285625-C24A-4341-90BC-6CD71F835625}" type="datetimeFigureOut">
               <a:rPr lang="en-GB" smtClean="0"/>
-              <a:t>03/08/2020</a:t>
+              <a:t>23/11/2020</a:t>
             </a:fld>
             <a:endParaRPr lang="en-GB"/>
           </a:p>
@@ -871,7 +871,7 @@
           <a:p>
             <a:fld id="{4E285625-C24A-4341-90BC-6CD71F835625}" type="datetimeFigureOut">
               <a:rPr lang="en-GB" smtClean="0"/>
-              <a:t>03/08/2020</a:t>
+              <a:t>23/11/2020</a:t>
             </a:fld>
             <a:endParaRPr lang="en-GB"/>
           </a:p>
@@ -1147,7 +1147,7 @@
           <a:p>
             <a:fld id="{4E285625-C24A-4341-90BC-6CD71F835625}" type="datetimeFigureOut">
               <a:rPr lang="en-GB" smtClean="0"/>
-              <a:t>03/08/2020</a:t>
+              <a:t>23/11/2020</a:t>
             </a:fld>
             <a:endParaRPr lang="en-GB"/>
           </a:p>
@@ -1415,7 +1415,7 @@
           <a:p>
             <a:fld id="{4E285625-C24A-4341-90BC-6CD71F835625}" type="datetimeFigureOut">
               <a:rPr lang="en-GB" smtClean="0"/>
-              <a:t>03/08/2020</a:t>
+              <a:t>23/11/2020</a:t>
             </a:fld>
             <a:endParaRPr lang="en-GB"/>
           </a:p>
@@ -1830,7 +1830,7 @@
           <a:p>
             <a:fld id="{4E285625-C24A-4341-90BC-6CD71F835625}" type="datetimeFigureOut">
               <a:rPr lang="en-GB" smtClean="0"/>
-              <a:t>03/08/2020</a:t>
+              <a:t>23/11/2020</a:t>
             </a:fld>
             <a:endParaRPr lang="en-GB"/>
           </a:p>
@@ -1972,7 +1972,7 @@
           <a:p>
             <a:fld id="{4E285625-C24A-4341-90BC-6CD71F835625}" type="datetimeFigureOut">
               <a:rPr lang="en-GB" smtClean="0"/>
-              <a:t>03/08/2020</a:t>
+              <a:t>23/11/2020</a:t>
             </a:fld>
             <a:endParaRPr lang="en-GB"/>
           </a:p>
@@ -2085,7 +2085,7 @@
           <a:p>
             <a:fld id="{4E285625-C24A-4341-90BC-6CD71F835625}" type="datetimeFigureOut">
               <a:rPr lang="en-GB" smtClean="0"/>
-              <a:t>03/08/2020</a:t>
+              <a:t>23/11/2020</a:t>
             </a:fld>
             <a:endParaRPr lang="en-GB"/>
           </a:p>
@@ -2398,7 +2398,7 @@
           <a:p>
             <a:fld id="{4E285625-C24A-4341-90BC-6CD71F835625}" type="datetimeFigureOut">
               <a:rPr lang="en-GB" smtClean="0"/>
-              <a:t>03/08/2020</a:t>
+              <a:t>23/11/2020</a:t>
             </a:fld>
             <a:endParaRPr lang="en-GB"/>
           </a:p>
@@ -2687,7 +2687,7 @@
           <a:p>
             <a:fld id="{4E285625-C24A-4341-90BC-6CD71F835625}" type="datetimeFigureOut">
               <a:rPr lang="en-GB" smtClean="0"/>
-              <a:t>03/08/2020</a:t>
+              <a:t>23/11/2020</a:t>
             </a:fld>
             <a:endParaRPr lang="en-GB"/>
           </a:p>
@@ -2930,7 +2930,7 @@
           <a:p>
             <a:fld id="{4E285625-C24A-4341-90BC-6CD71F835625}" type="datetimeFigureOut">
               <a:rPr lang="en-GB" smtClean="0"/>
-              <a:t>03/08/2020</a:t>
+              <a:t>23/11/2020</a:t>
             </a:fld>
             <a:endParaRPr lang="en-GB"/>
           </a:p>
@@ -5086,8 +5086,25 @@
               </a:fontRef>
             </p:style>
             <p:txBody>
-              <a:bodyPr rtlCol="0" anchor="ctr"/>
+              <a:bodyPr lIns="0" rIns="0" rtlCol="0" anchor="ctr"/>
               <a:lstStyle/>
+              <a:p>
+                <a:pPr algn="ctr"/>
+                <a:r>
+                  <a:rPr lang="en-US" sz="800" b="0" i="0" dirty="0">
+                    <a:solidFill>
+                      <a:schemeClr val="bg1"/>
+                    </a:solidFill>
+                    <a:effectLst/>
+                  </a:rPr>
+                  <a:t>Java class files</a:t>
+                </a:r>
+                <a:endParaRPr lang="en-US" sz="800" dirty="0">
+                  <a:solidFill>
+                    <a:schemeClr val="bg1"/>
+                  </a:solidFill>
+                </a:endParaRPr>
+              </a:p>
               <a:p>
                 <a:pPr algn="ctr"/>
                 <a:r>
@@ -5287,8 +5304,25 @@
               </a:fontRef>
             </p:style>
             <p:txBody>
-              <a:bodyPr rtlCol="0" anchor="ctr"/>
+              <a:bodyPr lIns="0" rIns="0" rtlCol="0" anchor="ctr"/>
               <a:lstStyle/>
+              <a:p>
+                <a:pPr algn="ctr"/>
+                <a:r>
+                  <a:rPr lang="en-US" sz="800" b="0" i="0" dirty="0">
+                    <a:solidFill>
+                      <a:schemeClr val="bg1"/>
+                    </a:solidFill>
+                    <a:effectLst/>
+                  </a:rPr>
+                  <a:t>Java class file</a:t>
+                </a:r>
+                <a:endParaRPr lang="en-US" sz="800" dirty="0">
+                  <a:solidFill>
+                    <a:schemeClr val="bg1"/>
+                  </a:solidFill>
+                </a:endParaRPr>
+              </a:p>
               <a:p>
                 <a:pPr algn="ctr"/>
                 <a:r>
@@ -5488,8 +5522,19 @@
               </a:fontRef>
             </p:style>
             <p:txBody>
-              <a:bodyPr rtlCol="0" anchor="ctr"/>
+              <a:bodyPr lIns="0" rIns="0" rtlCol="0" anchor="ctr"/>
               <a:lstStyle/>
+              <a:p>
+                <a:pPr algn="ctr"/>
+                <a:r>
+                  <a:rPr lang="en-US" sz="800" dirty="0">
+                    <a:solidFill>
+                      <a:schemeClr val="bg1"/>
+                    </a:solidFill>
+                  </a:rPr>
+                  <a:t>resource</a:t>
+                </a:r>
+              </a:p>
               <a:p>
                 <a:pPr algn="ctr"/>
                 <a:r>
